--- a/Settings/icon/IconEditor/func_.pptx
+++ b/Settings/icon/IconEditor/func_.pptx
@@ -2,7 +2,7 @@
 <file path=ppt/presentation.xml><?xml version="1.0" encoding="utf-8"?>
 <p:presentation xmlns:a="http://schemas.openxmlformats.org/drawingml/2006/main" xmlns:r="http://schemas.openxmlformats.org/officeDocument/2006/relationships" xmlns:p="http://schemas.openxmlformats.org/presentationml/2006/main" saveSubsetFonts="1">
   <p:sldMasterIdLst>
-    <p:sldMasterId id="2147483660" r:id="rId1"/>
+    <p:sldMasterId id="2147483672" r:id="rId1"/>
   </p:sldMasterIdLst>
   <p:notesMasterIdLst>
     <p:notesMasterId r:id="rId12"/>
@@ -19,7 +19,7 @@
     <p:sldId id="263" r:id="rId10"/>
     <p:sldId id="264" r:id="rId11"/>
   </p:sldIdLst>
-  <p:sldSz cx="914400" cy="914400"/>
+  <p:sldSz cx="1371600" cy="1371600"/>
   <p:notesSz cx="6858000" cy="9144000"/>
   <p:defaultTextStyle>
     <a:defPPr>
@@ -224,7 +224,7 @@
           <a:p>
             <a:fld id="{C6B3F6E9-CDDD-4DBD-8EFD-E0E0A70519B1}" type="datetimeFigureOut">
               <a:rPr lang="zh-CN" altLang="en-US" smtClean="0"/>
-              <a:t>2023-5-7</a:t>
+              <a:t>2023-5-18</a:t>
             </a:fld>
             <a:endParaRPr lang="zh-CN" altLang="en-US"/>
           </a:p>
@@ -397,8 +397,8 @@
   </p:cSld>
   <p:clrMap bg1="lt1" tx1="dk1" bg2="lt2" tx2="dk2" accent1="accent1" accent2="accent2" accent3="accent3" accent4="accent4" accent5="accent5" accent6="accent6" hlink="hlink" folHlink="folHlink"/>
   <p:notesStyle>
-    <a:lvl1pPr marL="0" algn="l" defTabSz="914400" rtl="0" eaLnBrk="1" latinLnBrk="0" hangingPunct="1">
-      <a:defRPr sz="1200" kern="1200">
+    <a:lvl1pPr marL="0" algn="l" defTabSz="1371600" rtl="0" eaLnBrk="1" latinLnBrk="0" hangingPunct="1">
+      <a:defRPr sz="1800" kern="1200">
         <a:solidFill>
           <a:schemeClr val="tx1"/>
         </a:solidFill>
@@ -407,8 +407,8 @@
         <a:cs typeface="+mn-cs"/>
       </a:defRPr>
     </a:lvl1pPr>
-    <a:lvl2pPr marL="457200" algn="l" defTabSz="914400" rtl="0" eaLnBrk="1" latinLnBrk="0" hangingPunct="1">
-      <a:defRPr sz="1200" kern="1200">
+    <a:lvl2pPr marL="685800" algn="l" defTabSz="1371600" rtl="0" eaLnBrk="1" latinLnBrk="0" hangingPunct="1">
+      <a:defRPr sz="1800" kern="1200">
         <a:solidFill>
           <a:schemeClr val="tx1"/>
         </a:solidFill>
@@ -417,8 +417,8 @@
         <a:cs typeface="+mn-cs"/>
       </a:defRPr>
     </a:lvl2pPr>
-    <a:lvl3pPr marL="914400" algn="l" defTabSz="914400" rtl="0" eaLnBrk="1" latinLnBrk="0" hangingPunct="1">
-      <a:defRPr sz="1200" kern="1200">
+    <a:lvl3pPr marL="1371600" algn="l" defTabSz="1371600" rtl="0" eaLnBrk="1" latinLnBrk="0" hangingPunct="1">
+      <a:defRPr sz="1800" kern="1200">
         <a:solidFill>
           <a:schemeClr val="tx1"/>
         </a:solidFill>
@@ -427,8 +427,8 @@
         <a:cs typeface="+mn-cs"/>
       </a:defRPr>
     </a:lvl3pPr>
-    <a:lvl4pPr marL="1371600" algn="l" defTabSz="914400" rtl="0" eaLnBrk="1" latinLnBrk="0" hangingPunct="1">
-      <a:defRPr sz="1200" kern="1200">
+    <a:lvl4pPr marL="2057400" algn="l" defTabSz="1371600" rtl="0" eaLnBrk="1" latinLnBrk="0" hangingPunct="1">
+      <a:defRPr sz="1800" kern="1200">
         <a:solidFill>
           <a:schemeClr val="tx1"/>
         </a:solidFill>
@@ -437,8 +437,8 @@
         <a:cs typeface="+mn-cs"/>
       </a:defRPr>
     </a:lvl4pPr>
-    <a:lvl5pPr marL="1828800" algn="l" defTabSz="914400" rtl="0" eaLnBrk="1" latinLnBrk="0" hangingPunct="1">
-      <a:defRPr sz="1200" kern="1200">
+    <a:lvl5pPr marL="2743200" algn="l" defTabSz="1371600" rtl="0" eaLnBrk="1" latinLnBrk="0" hangingPunct="1">
+      <a:defRPr sz="1800" kern="1200">
         <a:solidFill>
           <a:schemeClr val="tx1"/>
         </a:solidFill>
@@ -447,8 +447,8 @@
         <a:cs typeface="+mn-cs"/>
       </a:defRPr>
     </a:lvl5pPr>
-    <a:lvl6pPr marL="2286000" algn="l" defTabSz="914400" rtl="0" eaLnBrk="1" latinLnBrk="0" hangingPunct="1">
-      <a:defRPr sz="1200" kern="1200">
+    <a:lvl6pPr marL="3429000" algn="l" defTabSz="1371600" rtl="0" eaLnBrk="1" latinLnBrk="0" hangingPunct="1">
+      <a:defRPr sz="1800" kern="1200">
         <a:solidFill>
           <a:schemeClr val="tx1"/>
         </a:solidFill>
@@ -457,8 +457,8 @@
         <a:cs typeface="+mn-cs"/>
       </a:defRPr>
     </a:lvl6pPr>
-    <a:lvl7pPr marL="2743200" algn="l" defTabSz="914400" rtl="0" eaLnBrk="1" latinLnBrk="0" hangingPunct="1">
-      <a:defRPr sz="1200" kern="1200">
+    <a:lvl7pPr marL="4114800" algn="l" defTabSz="1371600" rtl="0" eaLnBrk="1" latinLnBrk="0" hangingPunct="1">
+      <a:defRPr sz="1800" kern="1200">
         <a:solidFill>
           <a:schemeClr val="tx1"/>
         </a:solidFill>
@@ -467,8 +467,8 @@
         <a:cs typeface="+mn-cs"/>
       </a:defRPr>
     </a:lvl7pPr>
-    <a:lvl8pPr marL="3200400" algn="l" defTabSz="914400" rtl="0" eaLnBrk="1" latinLnBrk="0" hangingPunct="1">
-      <a:defRPr sz="1200" kern="1200">
+    <a:lvl8pPr marL="4800600" algn="l" defTabSz="1371600" rtl="0" eaLnBrk="1" latinLnBrk="0" hangingPunct="1">
+      <a:defRPr sz="1800" kern="1200">
         <a:solidFill>
           <a:schemeClr val="tx1"/>
         </a:solidFill>
@@ -477,8 +477,8 @@
         <a:cs typeface="+mn-cs"/>
       </a:defRPr>
     </a:lvl8pPr>
-    <a:lvl9pPr marL="3657600" algn="l" defTabSz="914400" rtl="0" eaLnBrk="1" latinLnBrk="0" hangingPunct="1">
-      <a:defRPr sz="1200" kern="1200">
+    <a:lvl9pPr marL="5486400" algn="l" defTabSz="1371600" rtl="0" eaLnBrk="1" latinLnBrk="0" hangingPunct="1">
+      <a:defRPr sz="1800" kern="1200">
         <a:solidFill>
           <a:schemeClr val="tx1"/>
         </a:solidFill>
@@ -1438,15 +1438,15 @@
         </p:nvSpPr>
         <p:spPr>
           <a:xfrm>
-            <a:off x="68580" y="149648"/>
-            <a:ext cx="777240" cy="318347"/>
+            <a:off x="102870" y="224473"/>
+            <a:ext cx="1165860" cy="477520"/>
           </a:xfrm>
         </p:spPr>
         <p:txBody>
           <a:bodyPr anchor="b"/>
           <a:lstStyle>
             <a:lvl1pPr algn="ctr">
-              <a:defRPr sz="600"/>
+              <a:defRPr sz="900"/>
             </a:lvl1pPr>
           </a:lstStyle>
           <a:p>
@@ -1470,8 +1470,8 @@
         </p:nvSpPr>
         <p:spPr>
           <a:xfrm>
-            <a:off x="114300" y="480272"/>
-            <a:ext cx="685800" cy="220768"/>
+            <a:off x="171450" y="720408"/>
+            <a:ext cx="1028700" cy="331152"/>
           </a:xfrm>
         </p:spPr>
         <p:txBody>
@@ -1479,39 +1479,39 @@
           <a:lstStyle>
             <a:lvl1pPr marL="0" indent="0" algn="ctr">
               <a:buNone/>
+              <a:defRPr sz="360"/>
+            </a:lvl1pPr>
+            <a:lvl2pPr marL="68580" indent="0" algn="ctr">
+              <a:buNone/>
+              <a:defRPr sz="300"/>
+            </a:lvl2pPr>
+            <a:lvl3pPr marL="137160" indent="0" algn="ctr">
+              <a:buNone/>
+              <a:defRPr sz="270"/>
+            </a:lvl3pPr>
+            <a:lvl4pPr marL="205740" indent="0" algn="ctr">
+              <a:buNone/>
               <a:defRPr sz="240"/>
-            </a:lvl1pPr>
-            <a:lvl2pPr marL="45720" indent="0" algn="ctr">
-              <a:buNone/>
-              <a:defRPr sz="200"/>
-            </a:lvl2pPr>
-            <a:lvl3pPr marL="91440" indent="0" algn="ctr">
-              <a:buNone/>
-              <a:defRPr sz="180"/>
-            </a:lvl3pPr>
-            <a:lvl4pPr marL="137160" indent="0" algn="ctr">
-              <a:buNone/>
-              <a:defRPr sz="160"/>
             </a:lvl4pPr>
-            <a:lvl5pPr marL="182880" indent="0" algn="ctr">
-              <a:buNone/>
-              <a:defRPr sz="160"/>
+            <a:lvl5pPr marL="274320" indent="0" algn="ctr">
+              <a:buNone/>
+              <a:defRPr sz="240"/>
             </a:lvl5pPr>
-            <a:lvl6pPr marL="228600" indent="0" algn="ctr">
-              <a:buNone/>
-              <a:defRPr sz="160"/>
+            <a:lvl6pPr marL="342900" indent="0" algn="ctr">
+              <a:buNone/>
+              <a:defRPr sz="240"/>
             </a:lvl6pPr>
-            <a:lvl7pPr marL="274320" indent="0" algn="ctr">
-              <a:buNone/>
-              <a:defRPr sz="160"/>
+            <a:lvl7pPr marL="411480" indent="0" algn="ctr">
+              <a:buNone/>
+              <a:defRPr sz="240"/>
             </a:lvl7pPr>
-            <a:lvl8pPr marL="320040" indent="0" algn="ctr">
-              <a:buNone/>
-              <a:defRPr sz="160"/>
+            <a:lvl8pPr marL="480060" indent="0" algn="ctr">
+              <a:buNone/>
+              <a:defRPr sz="240"/>
             </a:lvl8pPr>
-            <a:lvl9pPr marL="365760" indent="0" algn="ctr">
-              <a:buNone/>
-              <a:defRPr sz="160"/>
+            <a:lvl9pPr marL="548640" indent="0" algn="ctr">
+              <a:buNone/>
+              <a:defRPr sz="240"/>
             </a:lvl9pPr>
           </a:lstStyle>
           <a:p>
@@ -1540,7 +1540,7 @@
           <a:p>
             <a:fld id="{02403316-07BD-40D6-B832-E27CC8D3E996}" type="datetimeFigureOut">
               <a:rPr lang="zh-CN" altLang="en-US" smtClean="0"/>
-              <a:t>2023-5-7</a:t>
+              <a:t>2023-5-18</a:t>
             </a:fld>
             <a:endParaRPr lang="zh-CN" altLang="en-US"/>
           </a:p>
@@ -1591,7 +1591,7 @@
     </p:spTree>
     <p:extLst>
       <p:ext uri="{BB962C8B-B14F-4D97-AF65-F5344CB8AC3E}">
-        <p14:creationId xmlns:p14="http://schemas.microsoft.com/office/powerpoint/2010/main" val="1754721199"/>
+        <p14:creationId xmlns:p14="http://schemas.microsoft.com/office/powerpoint/2010/main" val="2659214619"/>
       </p:ext>
     </p:extLst>
   </p:cSld>
@@ -1710,7 +1710,7 @@
           <a:p>
             <a:fld id="{02403316-07BD-40D6-B832-E27CC8D3E996}" type="datetimeFigureOut">
               <a:rPr lang="zh-CN" altLang="en-US" smtClean="0"/>
-              <a:t>2023-5-7</a:t>
+              <a:t>2023-5-18</a:t>
             </a:fld>
             <a:endParaRPr lang="zh-CN" altLang="en-US"/>
           </a:p>
@@ -1761,7 +1761,7 @@
     </p:spTree>
     <p:extLst>
       <p:ext uri="{BB962C8B-B14F-4D97-AF65-F5344CB8AC3E}">
-        <p14:creationId xmlns:p14="http://schemas.microsoft.com/office/powerpoint/2010/main" val="2933679154"/>
+        <p14:creationId xmlns:p14="http://schemas.microsoft.com/office/powerpoint/2010/main" val="2951846573"/>
       </p:ext>
     </p:extLst>
   </p:cSld>
@@ -1800,8 +1800,8 @@
         </p:nvSpPr>
         <p:spPr>
           <a:xfrm>
-            <a:off x="654367" y="48683"/>
-            <a:ext cx="197168" cy="774912"/>
+            <a:off x="981551" y="73025"/>
+            <a:ext cx="295751" cy="1162368"/>
           </a:xfrm>
         </p:spPr>
         <p:txBody>
@@ -1828,8 +1828,8 @@
         </p:nvSpPr>
         <p:spPr>
           <a:xfrm>
-            <a:off x="62865" y="48683"/>
-            <a:ext cx="580073" cy="774912"/>
+            <a:off x="94297" y="73025"/>
+            <a:ext cx="870109" cy="1162368"/>
           </a:xfrm>
         </p:spPr>
         <p:txBody>
@@ -1890,7 +1890,7 @@
           <a:p>
             <a:fld id="{02403316-07BD-40D6-B832-E27CC8D3E996}" type="datetimeFigureOut">
               <a:rPr lang="zh-CN" altLang="en-US" smtClean="0"/>
-              <a:t>2023-5-7</a:t>
+              <a:t>2023-5-18</a:t>
             </a:fld>
             <a:endParaRPr lang="zh-CN" altLang="en-US"/>
           </a:p>
@@ -1941,7 +1941,7 @@
     </p:spTree>
     <p:extLst>
       <p:ext uri="{BB962C8B-B14F-4D97-AF65-F5344CB8AC3E}">
-        <p14:creationId xmlns:p14="http://schemas.microsoft.com/office/powerpoint/2010/main" val="3661437348"/>
+        <p14:creationId xmlns:p14="http://schemas.microsoft.com/office/powerpoint/2010/main" val="2351352735"/>
       </p:ext>
     </p:extLst>
   </p:cSld>
@@ -2060,7 +2060,7 @@
           <a:p>
             <a:fld id="{02403316-07BD-40D6-B832-E27CC8D3E996}" type="datetimeFigureOut">
               <a:rPr lang="zh-CN" altLang="en-US" smtClean="0"/>
-              <a:t>2023-5-7</a:t>
+              <a:t>2023-5-18</a:t>
             </a:fld>
             <a:endParaRPr lang="zh-CN" altLang="en-US"/>
           </a:p>
@@ -2111,7 +2111,7 @@
     </p:spTree>
     <p:extLst>
       <p:ext uri="{BB962C8B-B14F-4D97-AF65-F5344CB8AC3E}">
-        <p14:creationId xmlns:p14="http://schemas.microsoft.com/office/powerpoint/2010/main" val="94063901"/>
+        <p14:creationId xmlns:p14="http://schemas.microsoft.com/office/powerpoint/2010/main" val="547449923"/>
       </p:ext>
     </p:extLst>
   </p:cSld>
@@ -2150,15 +2150,15 @@
         </p:nvSpPr>
         <p:spPr>
           <a:xfrm>
-            <a:off x="62389" y="227965"/>
-            <a:ext cx="788670" cy="380365"/>
+            <a:off x="93583" y="341948"/>
+            <a:ext cx="1183005" cy="570547"/>
           </a:xfrm>
         </p:spPr>
         <p:txBody>
           <a:bodyPr anchor="b"/>
           <a:lstStyle>
             <a:lvl1pPr>
-              <a:defRPr sz="600"/>
+              <a:defRPr sz="900"/>
             </a:lvl1pPr>
           </a:lstStyle>
           <a:p>
@@ -2182,8 +2182,8 @@
         </p:nvSpPr>
         <p:spPr>
           <a:xfrm>
-            <a:off x="62389" y="611929"/>
-            <a:ext cx="788670" cy="200025"/>
+            <a:off x="93583" y="917893"/>
+            <a:ext cx="1183005" cy="300037"/>
           </a:xfrm>
         </p:spPr>
         <p:txBody>
@@ -2191,15 +2191,15 @@
           <a:lstStyle>
             <a:lvl1pPr marL="0" indent="0">
               <a:buNone/>
-              <a:defRPr sz="240">
+              <a:defRPr sz="360">
                 <a:solidFill>
                   <a:schemeClr val="tx1"/>
                 </a:solidFill>
               </a:defRPr>
             </a:lvl1pPr>
-            <a:lvl2pPr marL="45720" indent="0">
-              <a:buNone/>
-              <a:defRPr sz="200">
+            <a:lvl2pPr marL="68580" indent="0">
+              <a:buNone/>
+              <a:defRPr sz="300">
                 <a:solidFill>
                   <a:schemeClr val="tx1">
                     <a:tint val="75000"/>
@@ -2207,9 +2207,9 @@
                 </a:solidFill>
               </a:defRPr>
             </a:lvl2pPr>
-            <a:lvl3pPr marL="91440" indent="0">
-              <a:buNone/>
-              <a:defRPr sz="180">
+            <a:lvl3pPr marL="137160" indent="0">
+              <a:buNone/>
+              <a:defRPr sz="270">
                 <a:solidFill>
                   <a:schemeClr val="tx1">
                     <a:tint val="75000"/>
@@ -2217,9 +2217,9 @@
                 </a:solidFill>
               </a:defRPr>
             </a:lvl3pPr>
-            <a:lvl4pPr marL="137160" indent="0">
-              <a:buNone/>
-              <a:defRPr sz="160">
+            <a:lvl4pPr marL="205740" indent="0">
+              <a:buNone/>
+              <a:defRPr sz="240">
                 <a:solidFill>
                   <a:schemeClr val="tx1">
                     <a:tint val="75000"/>
@@ -2227,9 +2227,9 @@
                 </a:solidFill>
               </a:defRPr>
             </a:lvl4pPr>
-            <a:lvl5pPr marL="182880" indent="0">
-              <a:buNone/>
-              <a:defRPr sz="160">
+            <a:lvl5pPr marL="274320" indent="0">
+              <a:buNone/>
+              <a:defRPr sz="240">
                 <a:solidFill>
                   <a:schemeClr val="tx1">
                     <a:tint val="75000"/>
@@ -2237,9 +2237,9 @@
                 </a:solidFill>
               </a:defRPr>
             </a:lvl5pPr>
-            <a:lvl6pPr marL="228600" indent="0">
-              <a:buNone/>
-              <a:defRPr sz="160">
+            <a:lvl6pPr marL="342900" indent="0">
+              <a:buNone/>
+              <a:defRPr sz="240">
                 <a:solidFill>
                   <a:schemeClr val="tx1">
                     <a:tint val="75000"/>
@@ -2247,9 +2247,9 @@
                 </a:solidFill>
               </a:defRPr>
             </a:lvl6pPr>
-            <a:lvl7pPr marL="274320" indent="0">
-              <a:buNone/>
-              <a:defRPr sz="160">
+            <a:lvl7pPr marL="411480" indent="0">
+              <a:buNone/>
+              <a:defRPr sz="240">
                 <a:solidFill>
                   <a:schemeClr val="tx1">
                     <a:tint val="75000"/>
@@ -2257,9 +2257,9 @@
                 </a:solidFill>
               </a:defRPr>
             </a:lvl7pPr>
-            <a:lvl8pPr marL="320040" indent="0">
-              <a:buNone/>
-              <a:defRPr sz="160">
+            <a:lvl8pPr marL="480060" indent="0">
+              <a:buNone/>
+              <a:defRPr sz="240">
                 <a:solidFill>
                   <a:schemeClr val="tx1">
                     <a:tint val="75000"/>
@@ -2267,9 +2267,9 @@
                 </a:solidFill>
               </a:defRPr>
             </a:lvl8pPr>
-            <a:lvl9pPr marL="365760" indent="0">
-              <a:buNone/>
-              <a:defRPr sz="160">
+            <a:lvl9pPr marL="548640" indent="0">
+              <a:buNone/>
+              <a:defRPr sz="240">
                 <a:solidFill>
                   <a:schemeClr val="tx1">
                     <a:tint val="75000"/>
@@ -2304,7 +2304,7 @@
           <a:p>
             <a:fld id="{02403316-07BD-40D6-B832-E27CC8D3E996}" type="datetimeFigureOut">
               <a:rPr lang="zh-CN" altLang="en-US" smtClean="0"/>
-              <a:t>2023-5-7</a:t>
+              <a:t>2023-5-18</a:t>
             </a:fld>
             <a:endParaRPr lang="zh-CN" altLang="en-US"/>
           </a:p>
@@ -2355,7 +2355,7 @@
     </p:spTree>
     <p:extLst>
       <p:ext uri="{BB962C8B-B14F-4D97-AF65-F5344CB8AC3E}">
-        <p14:creationId xmlns:p14="http://schemas.microsoft.com/office/powerpoint/2010/main" val="2968986060"/>
+        <p14:creationId xmlns:p14="http://schemas.microsoft.com/office/powerpoint/2010/main" val="2886002208"/>
       </p:ext>
     </p:extLst>
   </p:cSld>
@@ -2417,8 +2417,8 @@
         </p:nvSpPr>
         <p:spPr>
           <a:xfrm>
-            <a:off x="62865" y="243417"/>
-            <a:ext cx="388620" cy="580178"/>
+            <a:off x="94298" y="365125"/>
+            <a:ext cx="582930" cy="870268"/>
           </a:xfrm>
         </p:spPr>
         <p:txBody>
@@ -2474,8 +2474,8 @@
         </p:nvSpPr>
         <p:spPr>
           <a:xfrm>
-            <a:off x="462915" y="243417"/>
-            <a:ext cx="388620" cy="580178"/>
+            <a:off x="694373" y="365125"/>
+            <a:ext cx="582930" cy="870268"/>
           </a:xfrm>
         </p:spPr>
         <p:txBody>
@@ -2536,7 +2536,7 @@
           <a:p>
             <a:fld id="{02403316-07BD-40D6-B832-E27CC8D3E996}" type="datetimeFigureOut">
               <a:rPr lang="zh-CN" altLang="en-US" smtClean="0"/>
-              <a:t>2023-5-7</a:t>
+              <a:t>2023-5-18</a:t>
             </a:fld>
             <a:endParaRPr lang="zh-CN" altLang="en-US"/>
           </a:p>
@@ -2587,7 +2587,7 @@
     </p:spTree>
     <p:extLst>
       <p:ext uri="{BB962C8B-B14F-4D97-AF65-F5344CB8AC3E}">
-        <p14:creationId xmlns:p14="http://schemas.microsoft.com/office/powerpoint/2010/main" val="28711011"/>
+        <p14:creationId xmlns:p14="http://schemas.microsoft.com/office/powerpoint/2010/main" val="1035338504"/>
       </p:ext>
     </p:extLst>
   </p:cSld>
@@ -2626,8 +2626,8 @@
         </p:nvSpPr>
         <p:spPr>
           <a:xfrm>
-            <a:off x="62984" y="48683"/>
-            <a:ext cx="788670" cy="176742"/>
+            <a:off x="94476" y="73025"/>
+            <a:ext cx="1183005" cy="265113"/>
           </a:xfrm>
         </p:spPr>
         <p:txBody>
@@ -2654,8 +2654,8 @@
         </p:nvSpPr>
         <p:spPr>
           <a:xfrm>
-            <a:off x="62984" y="224155"/>
-            <a:ext cx="386834" cy="109855"/>
+            <a:off x="94476" y="336233"/>
+            <a:ext cx="580251" cy="164782"/>
           </a:xfrm>
         </p:spPr>
         <p:txBody>
@@ -2663,39 +2663,39 @@
           <a:lstStyle>
             <a:lvl1pPr marL="0" indent="0">
               <a:buNone/>
+              <a:defRPr sz="360" b="1"/>
+            </a:lvl1pPr>
+            <a:lvl2pPr marL="68580" indent="0">
+              <a:buNone/>
+              <a:defRPr sz="300" b="1"/>
+            </a:lvl2pPr>
+            <a:lvl3pPr marL="137160" indent="0">
+              <a:buNone/>
+              <a:defRPr sz="270" b="1"/>
+            </a:lvl3pPr>
+            <a:lvl4pPr marL="205740" indent="0">
+              <a:buNone/>
               <a:defRPr sz="240" b="1"/>
-            </a:lvl1pPr>
-            <a:lvl2pPr marL="45720" indent="0">
-              <a:buNone/>
-              <a:defRPr sz="200" b="1"/>
-            </a:lvl2pPr>
-            <a:lvl3pPr marL="91440" indent="0">
-              <a:buNone/>
-              <a:defRPr sz="180" b="1"/>
-            </a:lvl3pPr>
-            <a:lvl4pPr marL="137160" indent="0">
-              <a:buNone/>
-              <a:defRPr sz="160" b="1"/>
             </a:lvl4pPr>
-            <a:lvl5pPr marL="182880" indent="0">
-              <a:buNone/>
-              <a:defRPr sz="160" b="1"/>
+            <a:lvl5pPr marL="274320" indent="0">
+              <a:buNone/>
+              <a:defRPr sz="240" b="1"/>
             </a:lvl5pPr>
-            <a:lvl6pPr marL="228600" indent="0">
-              <a:buNone/>
-              <a:defRPr sz="160" b="1"/>
+            <a:lvl6pPr marL="342900" indent="0">
+              <a:buNone/>
+              <a:defRPr sz="240" b="1"/>
             </a:lvl6pPr>
-            <a:lvl7pPr marL="274320" indent="0">
-              <a:buNone/>
-              <a:defRPr sz="160" b="1"/>
+            <a:lvl7pPr marL="411480" indent="0">
+              <a:buNone/>
+              <a:defRPr sz="240" b="1"/>
             </a:lvl7pPr>
-            <a:lvl8pPr marL="320040" indent="0">
-              <a:buNone/>
-              <a:defRPr sz="160" b="1"/>
+            <a:lvl8pPr marL="480060" indent="0">
+              <a:buNone/>
+              <a:defRPr sz="240" b="1"/>
             </a:lvl8pPr>
-            <a:lvl9pPr marL="365760" indent="0">
-              <a:buNone/>
-              <a:defRPr sz="160" b="1"/>
+            <a:lvl9pPr marL="548640" indent="0">
+              <a:buNone/>
+              <a:defRPr sz="240" b="1"/>
             </a:lvl9pPr>
           </a:lstStyle>
           <a:p>
@@ -2719,8 +2719,8 @@
         </p:nvSpPr>
         <p:spPr>
           <a:xfrm>
-            <a:off x="62984" y="334010"/>
-            <a:ext cx="386834" cy="491278"/>
+            <a:off x="94476" y="501015"/>
+            <a:ext cx="580251" cy="736918"/>
           </a:xfrm>
         </p:spPr>
         <p:txBody>
@@ -2776,8 +2776,8 @@
         </p:nvSpPr>
         <p:spPr>
           <a:xfrm>
-            <a:off x="462915" y="224155"/>
-            <a:ext cx="388739" cy="109855"/>
+            <a:off x="694372" y="336233"/>
+            <a:ext cx="583109" cy="164782"/>
           </a:xfrm>
         </p:spPr>
         <p:txBody>
@@ -2785,39 +2785,39 @@
           <a:lstStyle>
             <a:lvl1pPr marL="0" indent="0">
               <a:buNone/>
+              <a:defRPr sz="360" b="1"/>
+            </a:lvl1pPr>
+            <a:lvl2pPr marL="68580" indent="0">
+              <a:buNone/>
+              <a:defRPr sz="300" b="1"/>
+            </a:lvl2pPr>
+            <a:lvl3pPr marL="137160" indent="0">
+              <a:buNone/>
+              <a:defRPr sz="270" b="1"/>
+            </a:lvl3pPr>
+            <a:lvl4pPr marL="205740" indent="0">
+              <a:buNone/>
               <a:defRPr sz="240" b="1"/>
-            </a:lvl1pPr>
-            <a:lvl2pPr marL="45720" indent="0">
-              <a:buNone/>
-              <a:defRPr sz="200" b="1"/>
-            </a:lvl2pPr>
-            <a:lvl3pPr marL="91440" indent="0">
-              <a:buNone/>
-              <a:defRPr sz="180" b="1"/>
-            </a:lvl3pPr>
-            <a:lvl4pPr marL="137160" indent="0">
-              <a:buNone/>
-              <a:defRPr sz="160" b="1"/>
             </a:lvl4pPr>
-            <a:lvl5pPr marL="182880" indent="0">
-              <a:buNone/>
-              <a:defRPr sz="160" b="1"/>
+            <a:lvl5pPr marL="274320" indent="0">
+              <a:buNone/>
+              <a:defRPr sz="240" b="1"/>
             </a:lvl5pPr>
-            <a:lvl6pPr marL="228600" indent="0">
-              <a:buNone/>
-              <a:defRPr sz="160" b="1"/>
+            <a:lvl6pPr marL="342900" indent="0">
+              <a:buNone/>
+              <a:defRPr sz="240" b="1"/>
             </a:lvl6pPr>
-            <a:lvl7pPr marL="274320" indent="0">
-              <a:buNone/>
-              <a:defRPr sz="160" b="1"/>
+            <a:lvl7pPr marL="411480" indent="0">
+              <a:buNone/>
+              <a:defRPr sz="240" b="1"/>
             </a:lvl7pPr>
-            <a:lvl8pPr marL="320040" indent="0">
-              <a:buNone/>
-              <a:defRPr sz="160" b="1"/>
+            <a:lvl8pPr marL="480060" indent="0">
+              <a:buNone/>
+              <a:defRPr sz="240" b="1"/>
             </a:lvl8pPr>
-            <a:lvl9pPr marL="365760" indent="0">
-              <a:buNone/>
-              <a:defRPr sz="160" b="1"/>
+            <a:lvl9pPr marL="548640" indent="0">
+              <a:buNone/>
+              <a:defRPr sz="240" b="1"/>
             </a:lvl9pPr>
           </a:lstStyle>
           <a:p>
@@ -2841,8 +2841,8 @@
         </p:nvSpPr>
         <p:spPr>
           <a:xfrm>
-            <a:off x="462915" y="334010"/>
-            <a:ext cx="388739" cy="491278"/>
+            <a:off x="694372" y="501015"/>
+            <a:ext cx="583109" cy="736918"/>
           </a:xfrm>
         </p:spPr>
         <p:txBody>
@@ -2903,7 +2903,7 @@
           <a:p>
             <a:fld id="{02403316-07BD-40D6-B832-E27CC8D3E996}" type="datetimeFigureOut">
               <a:rPr lang="zh-CN" altLang="en-US" smtClean="0"/>
-              <a:t>2023-5-7</a:t>
+              <a:t>2023-5-18</a:t>
             </a:fld>
             <a:endParaRPr lang="zh-CN" altLang="en-US"/>
           </a:p>
@@ -2954,7 +2954,7 @@
     </p:spTree>
     <p:extLst>
       <p:ext uri="{BB962C8B-B14F-4D97-AF65-F5344CB8AC3E}">
-        <p14:creationId xmlns:p14="http://schemas.microsoft.com/office/powerpoint/2010/main" val="2502549364"/>
+        <p14:creationId xmlns:p14="http://schemas.microsoft.com/office/powerpoint/2010/main" val="3677085752"/>
       </p:ext>
     </p:extLst>
   </p:cSld>
@@ -3021,7 +3021,7 @@
           <a:p>
             <a:fld id="{02403316-07BD-40D6-B832-E27CC8D3E996}" type="datetimeFigureOut">
               <a:rPr lang="zh-CN" altLang="en-US" smtClean="0"/>
-              <a:t>2023-5-7</a:t>
+              <a:t>2023-5-18</a:t>
             </a:fld>
             <a:endParaRPr lang="zh-CN" altLang="en-US"/>
           </a:p>
@@ -3072,7 +3072,7 @@
     </p:spTree>
     <p:extLst>
       <p:ext uri="{BB962C8B-B14F-4D97-AF65-F5344CB8AC3E}">
-        <p14:creationId xmlns:p14="http://schemas.microsoft.com/office/powerpoint/2010/main" val="2122723995"/>
+        <p14:creationId xmlns:p14="http://schemas.microsoft.com/office/powerpoint/2010/main" val="339487874"/>
       </p:ext>
     </p:extLst>
   </p:cSld>
@@ -3116,7 +3116,7 @@
           <a:p>
             <a:fld id="{02403316-07BD-40D6-B832-E27CC8D3E996}" type="datetimeFigureOut">
               <a:rPr lang="zh-CN" altLang="en-US" smtClean="0"/>
-              <a:t>2023-5-7</a:t>
+              <a:t>2023-5-18</a:t>
             </a:fld>
             <a:endParaRPr lang="zh-CN" altLang="en-US"/>
           </a:p>
@@ -3167,7 +3167,7 @@
     </p:spTree>
     <p:extLst>
       <p:ext uri="{BB962C8B-B14F-4D97-AF65-F5344CB8AC3E}">
-        <p14:creationId xmlns:p14="http://schemas.microsoft.com/office/powerpoint/2010/main" val="2088229804"/>
+        <p14:creationId xmlns:p14="http://schemas.microsoft.com/office/powerpoint/2010/main" val="4095068503"/>
       </p:ext>
     </p:extLst>
   </p:cSld>
@@ -3206,15 +3206,15 @@
         </p:nvSpPr>
         <p:spPr>
           <a:xfrm>
-            <a:off x="62984" y="60960"/>
-            <a:ext cx="294918" cy="213360"/>
+            <a:off x="94476" y="91440"/>
+            <a:ext cx="442377" cy="320040"/>
           </a:xfrm>
         </p:spPr>
         <p:txBody>
           <a:bodyPr anchor="b"/>
           <a:lstStyle>
             <a:lvl1pPr>
-              <a:defRPr sz="320"/>
+              <a:defRPr sz="480"/>
             </a:lvl1pPr>
           </a:lstStyle>
           <a:p>
@@ -3238,39 +3238,39 @@
         </p:nvSpPr>
         <p:spPr>
           <a:xfrm>
-            <a:off x="388739" y="131657"/>
-            <a:ext cx="462915" cy="649817"/>
+            <a:off x="583108" y="197485"/>
+            <a:ext cx="694373" cy="974725"/>
           </a:xfrm>
         </p:spPr>
         <p:txBody>
           <a:bodyPr/>
           <a:lstStyle>
             <a:lvl1pPr>
-              <a:defRPr sz="320"/>
+              <a:defRPr sz="480"/>
             </a:lvl1pPr>
             <a:lvl2pPr>
-              <a:defRPr sz="280"/>
+              <a:defRPr sz="420"/>
             </a:lvl2pPr>
             <a:lvl3pPr>
-              <a:defRPr sz="240"/>
+              <a:defRPr sz="360"/>
             </a:lvl3pPr>
             <a:lvl4pPr>
-              <a:defRPr sz="200"/>
+              <a:defRPr sz="300"/>
             </a:lvl4pPr>
             <a:lvl5pPr>
-              <a:defRPr sz="200"/>
+              <a:defRPr sz="300"/>
             </a:lvl5pPr>
             <a:lvl6pPr>
-              <a:defRPr sz="200"/>
+              <a:defRPr sz="300"/>
             </a:lvl6pPr>
             <a:lvl7pPr>
-              <a:defRPr sz="200"/>
+              <a:defRPr sz="300"/>
             </a:lvl7pPr>
             <a:lvl8pPr>
-              <a:defRPr sz="200"/>
+              <a:defRPr sz="300"/>
             </a:lvl8pPr>
             <a:lvl9pPr>
-              <a:defRPr sz="200"/>
+              <a:defRPr sz="300"/>
             </a:lvl9pPr>
           </a:lstStyle>
           <a:p>
@@ -3323,8 +3323,8 @@
         </p:nvSpPr>
         <p:spPr>
           <a:xfrm>
-            <a:off x="62984" y="274320"/>
-            <a:ext cx="294918" cy="508212"/>
+            <a:off x="94476" y="411480"/>
+            <a:ext cx="442377" cy="762318"/>
           </a:xfrm>
         </p:spPr>
         <p:txBody>
@@ -3332,39 +3332,39 @@
           <a:lstStyle>
             <a:lvl1pPr marL="0" indent="0">
               <a:buNone/>
-              <a:defRPr sz="160"/>
+              <a:defRPr sz="240"/>
             </a:lvl1pPr>
-            <a:lvl2pPr marL="45720" indent="0">
-              <a:buNone/>
-              <a:defRPr sz="140"/>
+            <a:lvl2pPr marL="68580" indent="0">
+              <a:buNone/>
+              <a:defRPr sz="210"/>
             </a:lvl2pPr>
-            <a:lvl3pPr marL="91440" indent="0">
-              <a:buNone/>
-              <a:defRPr sz="120"/>
+            <a:lvl3pPr marL="137160" indent="0">
+              <a:buNone/>
+              <a:defRPr sz="180"/>
             </a:lvl3pPr>
-            <a:lvl4pPr marL="137160" indent="0">
-              <a:buNone/>
-              <a:defRPr sz="100"/>
+            <a:lvl4pPr marL="205740" indent="0">
+              <a:buNone/>
+              <a:defRPr sz="150"/>
             </a:lvl4pPr>
-            <a:lvl5pPr marL="182880" indent="0">
-              <a:buNone/>
-              <a:defRPr sz="100"/>
+            <a:lvl5pPr marL="274320" indent="0">
+              <a:buNone/>
+              <a:defRPr sz="150"/>
             </a:lvl5pPr>
-            <a:lvl6pPr marL="228600" indent="0">
-              <a:buNone/>
-              <a:defRPr sz="100"/>
+            <a:lvl6pPr marL="342900" indent="0">
+              <a:buNone/>
+              <a:defRPr sz="150"/>
             </a:lvl6pPr>
-            <a:lvl7pPr marL="274320" indent="0">
-              <a:buNone/>
-              <a:defRPr sz="100"/>
+            <a:lvl7pPr marL="411480" indent="0">
+              <a:buNone/>
+              <a:defRPr sz="150"/>
             </a:lvl7pPr>
-            <a:lvl8pPr marL="320040" indent="0">
-              <a:buNone/>
-              <a:defRPr sz="100"/>
+            <a:lvl8pPr marL="480060" indent="0">
+              <a:buNone/>
+              <a:defRPr sz="150"/>
             </a:lvl8pPr>
-            <a:lvl9pPr marL="365760" indent="0">
-              <a:buNone/>
-              <a:defRPr sz="100"/>
+            <a:lvl9pPr marL="548640" indent="0">
+              <a:buNone/>
+              <a:defRPr sz="150"/>
             </a:lvl9pPr>
           </a:lstStyle>
           <a:p>
@@ -3393,7 +3393,7 @@
           <a:p>
             <a:fld id="{02403316-07BD-40D6-B832-E27CC8D3E996}" type="datetimeFigureOut">
               <a:rPr lang="zh-CN" altLang="en-US" smtClean="0"/>
-              <a:t>2023-5-7</a:t>
+              <a:t>2023-5-18</a:t>
             </a:fld>
             <a:endParaRPr lang="zh-CN" altLang="en-US"/>
           </a:p>
@@ -3444,7 +3444,7 @@
     </p:spTree>
     <p:extLst>
       <p:ext uri="{BB962C8B-B14F-4D97-AF65-F5344CB8AC3E}">
-        <p14:creationId xmlns:p14="http://schemas.microsoft.com/office/powerpoint/2010/main" val="1992922709"/>
+        <p14:creationId xmlns:p14="http://schemas.microsoft.com/office/powerpoint/2010/main" val="3572089650"/>
       </p:ext>
     </p:extLst>
   </p:cSld>
@@ -3483,15 +3483,15 @@
         </p:nvSpPr>
         <p:spPr>
           <a:xfrm>
-            <a:off x="62984" y="60960"/>
-            <a:ext cx="294918" cy="213360"/>
+            <a:off x="94476" y="91440"/>
+            <a:ext cx="442377" cy="320040"/>
           </a:xfrm>
         </p:spPr>
         <p:txBody>
           <a:bodyPr anchor="b"/>
           <a:lstStyle>
             <a:lvl1pPr>
-              <a:defRPr sz="320"/>
+              <a:defRPr sz="480"/>
             </a:lvl1pPr>
           </a:lstStyle>
           <a:p>
@@ -3515,8 +3515,8 @@
         </p:nvSpPr>
         <p:spPr>
           <a:xfrm>
-            <a:off x="388739" y="131657"/>
-            <a:ext cx="462915" cy="649817"/>
+            <a:off x="583108" y="197485"/>
+            <a:ext cx="694373" cy="974725"/>
           </a:xfrm>
         </p:spPr>
         <p:txBody>
@@ -3524,39 +3524,39 @@
           <a:lstStyle>
             <a:lvl1pPr marL="0" indent="0">
               <a:buNone/>
-              <a:defRPr sz="320"/>
+              <a:defRPr sz="480"/>
             </a:lvl1pPr>
-            <a:lvl2pPr marL="45720" indent="0">
-              <a:buNone/>
-              <a:defRPr sz="280"/>
+            <a:lvl2pPr marL="68580" indent="0">
+              <a:buNone/>
+              <a:defRPr sz="420"/>
             </a:lvl2pPr>
-            <a:lvl3pPr marL="91440" indent="0">
-              <a:buNone/>
-              <a:defRPr sz="240"/>
+            <a:lvl3pPr marL="137160" indent="0">
+              <a:buNone/>
+              <a:defRPr sz="360"/>
             </a:lvl3pPr>
-            <a:lvl4pPr marL="137160" indent="0">
-              <a:buNone/>
-              <a:defRPr sz="200"/>
+            <a:lvl4pPr marL="205740" indent="0">
+              <a:buNone/>
+              <a:defRPr sz="300"/>
             </a:lvl4pPr>
-            <a:lvl5pPr marL="182880" indent="0">
-              <a:buNone/>
-              <a:defRPr sz="200"/>
+            <a:lvl5pPr marL="274320" indent="0">
+              <a:buNone/>
+              <a:defRPr sz="300"/>
             </a:lvl5pPr>
-            <a:lvl6pPr marL="228600" indent="0">
-              <a:buNone/>
-              <a:defRPr sz="200"/>
+            <a:lvl6pPr marL="342900" indent="0">
+              <a:buNone/>
+              <a:defRPr sz="300"/>
             </a:lvl6pPr>
-            <a:lvl7pPr marL="274320" indent="0">
-              <a:buNone/>
-              <a:defRPr sz="200"/>
+            <a:lvl7pPr marL="411480" indent="0">
+              <a:buNone/>
+              <a:defRPr sz="300"/>
             </a:lvl7pPr>
-            <a:lvl8pPr marL="320040" indent="0">
-              <a:buNone/>
-              <a:defRPr sz="200"/>
+            <a:lvl8pPr marL="480060" indent="0">
+              <a:buNone/>
+              <a:defRPr sz="300"/>
             </a:lvl8pPr>
-            <a:lvl9pPr marL="365760" indent="0">
-              <a:buNone/>
-              <a:defRPr sz="200"/>
+            <a:lvl9pPr marL="548640" indent="0">
+              <a:buNone/>
+              <a:defRPr sz="300"/>
             </a:lvl9pPr>
           </a:lstStyle>
           <a:p>
@@ -3580,8 +3580,8 @@
         </p:nvSpPr>
         <p:spPr>
           <a:xfrm>
-            <a:off x="62984" y="274320"/>
-            <a:ext cx="294918" cy="508212"/>
+            <a:off x="94476" y="411480"/>
+            <a:ext cx="442377" cy="762318"/>
           </a:xfrm>
         </p:spPr>
         <p:txBody>
@@ -3589,39 +3589,39 @@
           <a:lstStyle>
             <a:lvl1pPr marL="0" indent="0">
               <a:buNone/>
-              <a:defRPr sz="160"/>
+              <a:defRPr sz="240"/>
             </a:lvl1pPr>
-            <a:lvl2pPr marL="45720" indent="0">
-              <a:buNone/>
-              <a:defRPr sz="140"/>
+            <a:lvl2pPr marL="68580" indent="0">
+              <a:buNone/>
+              <a:defRPr sz="210"/>
             </a:lvl2pPr>
-            <a:lvl3pPr marL="91440" indent="0">
-              <a:buNone/>
-              <a:defRPr sz="120"/>
+            <a:lvl3pPr marL="137160" indent="0">
+              <a:buNone/>
+              <a:defRPr sz="180"/>
             </a:lvl3pPr>
-            <a:lvl4pPr marL="137160" indent="0">
-              <a:buNone/>
-              <a:defRPr sz="100"/>
+            <a:lvl4pPr marL="205740" indent="0">
+              <a:buNone/>
+              <a:defRPr sz="150"/>
             </a:lvl4pPr>
-            <a:lvl5pPr marL="182880" indent="0">
-              <a:buNone/>
-              <a:defRPr sz="100"/>
+            <a:lvl5pPr marL="274320" indent="0">
+              <a:buNone/>
+              <a:defRPr sz="150"/>
             </a:lvl5pPr>
-            <a:lvl6pPr marL="228600" indent="0">
-              <a:buNone/>
-              <a:defRPr sz="100"/>
+            <a:lvl6pPr marL="342900" indent="0">
+              <a:buNone/>
+              <a:defRPr sz="150"/>
             </a:lvl6pPr>
-            <a:lvl7pPr marL="274320" indent="0">
-              <a:buNone/>
-              <a:defRPr sz="100"/>
+            <a:lvl7pPr marL="411480" indent="0">
+              <a:buNone/>
+              <a:defRPr sz="150"/>
             </a:lvl7pPr>
-            <a:lvl8pPr marL="320040" indent="0">
-              <a:buNone/>
-              <a:defRPr sz="100"/>
+            <a:lvl8pPr marL="480060" indent="0">
+              <a:buNone/>
+              <a:defRPr sz="150"/>
             </a:lvl8pPr>
-            <a:lvl9pPr marL="365760" indent="0">
-              <a:buNone/>
-              <a:defRPr sz="100"/>
+            <a:lvl9pPr marL="548640" indent="0">
+              <a:buNone/>
+              <a:defRPr sz="150"/>
             </a:lvl9pPr>
           </a:lstStyle>
           <a:p>
@@ -3650,7 +3650,7 @@
           <a:p>
             <a:fld id="{02403316-07BD-40D6-B832-E27CC8D3E996}" type="datetimeFigureOut">
               <a:rPr lang="zh-CN" altLang="en-US" smtClean="0"/>
-              <a:t>2023-5-7</a:t>
+              <a:t>2023-5-18</a:t>
             </a:fld>
             <a:endParaRPr lang="zh-CN" altLang="en-US"/>
           </a:p>
@@ -3701,7 +3701,7 @@
     </p:spTree>
     <p:extLst>
       <p:ext uri="{BB962C8B-B14F-4D97-AF65-F5344CB8AC3E}">
-        <p14:creationId xmlns:p14="http://schemas.microsoft.com/office/powerpoint/2010/main" val="547751516"/>
+        <p14:creationId xmlns:p14="http://schemas.microsoft.com/office/powerpoint/2010/main" val="184483244"/>
       </p:ext>
     </p:extLst>
   </p:cSld>
@@ -3748,8 +3748,8 @@
         </p:nvSpPr>
         <p:spPr>
           <a:xfrm>
-            <a:off x="62865" y="48683"/>
-            <a:ext cx="788670" cy="176742"/>
+            <a:off x="94298" y="73025"/>
+            <a:ext cx="1183005" cy="265113"/>
           </a:xfrm>
           <a:prstGeom prst="rect">
             <a:avLst/>
@@ -3781,8 +3781,8 @@
         </p:nvSpPr>
         <p:spPr>
           <a:xfrm>
-            <a:off x="62865" y="243417"/>
-            <a:ext cx="788670" cy="580178"/>
+            <a:off x="94298" y="365125"/>
+            <a:ext cx="1183005" cy="870268"/>
           </a:xfrm>
           <a:prstGeom prst="rect">
             <a:avLst/>
@@ -3843,8 +3843,8 @@
         </p:nvSpPr>
         <p:spPr>
           <a:xfrm>
-            <a:off x="62865" y="847514"/>
-            <a:ext cx="205740" cy="48683"/>
+            <a:off x="94298" y="1271270"/>
+            <a:ext cx="308610" cy="73025"/>
           </a:xfrm>
           <a:prstGeom prst="rect">
             <a:avLst/>
@@ -3854,7 +3854,7 @@
           <a:bodyPr vert="horz" lIns="91440" tIns="45720" rIns="91440" bIns="45720" rtlCol="0" anchor="ctr"/>
           <a:lstStyle>
             <a:lvl1pPr algn="l">
-              <a:defRPr sz="120">
+              <a:defRPr sz="180">
                 <a:solidFill>
                   <a:schemeClr val="tx1">
                     <a:tint val="75000"/>
@@ -3866,7 +3866,7 @@
           <a:p>
             <a:fld id="{02403316-07BD-40D6-B832-E27CC8D3E996}" type="datetimeFigureOut">
               <a:rPr lang="zh-CN" altLang="en-US" smtClean="0"/>
-              <a:t>2023-5-7</a:t>
+              <a:t>2023-5-18</a:t>
             </a:fld>
             <a:endParaRPr lang="zh-CN" altLang="en-US"/>
           </a:p>
@@ -3884,8 +3884,8 @@
         </p:nvSpPr>
         <p:spPr>
           <a:xfrm>
-            <a:off x="302895" y="847514"/>
-            <a:ext cx="308610" cy="48683"/>
+            <a:off x="454343" y="1271270"/>
+            <a:ext cx="462915" cy="73025"/>
           </a:xfrm>
           <a:prstGeom prst="rect">
             <a:avLst/>
@@ -3895,7 +3895,7 @@
           <a:bodyPr vert="horz" lIns="91440" tIns="45720" rIns="91440" bIns="45720" rtlCol="0" anchor="ctr"/>
           <a:lstStyle>
             <a:lvl1pPr algn="ctr">
-              <a:defRPr sz="120">
+              <a:defRPr sz="180">
                 <a:solidFill>
                   <a:schemeClr val="tx1">
                     <a:tint val="75000"/>
@@ -3921,8 +3921,8 @@
         </p:nvSpPr>
         <p:spPr>
           <a:xfrm>
-            <a:off x="645795" y="847514"/>
-            <a:ext cx="205740" cy="48683"/>
+            <a:off x="968693" y="1271270"/>
+            <a:ext cx="308610" cy="73025"/>
           </a:xfrm>
           <a:prstGeom prst="rect">
             <a:avLst/>
@@ -3932,7 +3932,7 @@
           <a:bodyPr vert="horz" lIns="91440" tIns="45720" rIns="91440" bIns="45720" rtlCol="0" anchor="ctr"/>
           <a:lstStyle>
             <a:lvl1pPr algn="r">
-              <a:defRPr sz="120">
+              <a:defRPr sz="180">
                 <a:solidFill>
                   <a:schemeClr val="tx1">
                     <a:tint val="75000"/>
@@ -3953,27 +3953,27 @@
     </p:spTree>
     <p:extLst>
       <p:ext uri="{BB962C8B-B14F-4D97-AF65-F5344CB8AC3E}">
-        <p14:creationId xmlns:p14="http://schemas.microsoft.com/office/powerpoint/2010/main" val="4259924277"/>
+        <p14:creationId xmlns:p14="http://schemas.microsoft.com/office/powerpoint/2010/main" val="3307695291"/>
       </p:ext>
     </p:extLst>
   </p:cSld>
   <p:clrMap bg1="lt1" tx1="dk1" bg2="lt2" tx2="dk2" accent1="accent1" accent2="accent2" accent3="accent3" accent4="accent4" accent5="accent5" accent6="accent6" hlink="hlink" folHlink="folHlink"/>
   <p:sldLayoutIdLst>
-    <p:sldLayoutId id="2147483661" r:id="rId1"/>
-    <p:sldLayoutId id="2147483662" r:id="rId2"/>
-    <p:sldLayoutId id="2147483663" r:id="rId3"/>
-    <p:sldLayoutId id="2147483664" r:id="rId4"/>
-    <p:sldLayoutId id="2147483665" r:id="rId5"/>
-    <p:sldLayoutId id="2147483666" r:id="rId6"/>
-    <p:sldLayoutId id="2147483667" r:id="rId7"/>
-    <p:sldLayoutId id="2147483668" r:id="rId8"/>
-    <p:sldLayoutId id="2147483669" r:id="rId9"/>
-    <p:sldLayoutId id="2147483670" r:id="rId10"/>
-    <p:sldLayoutId id="2147483671" r:id="rId11"/>
+    <p:sldLayoutId id="2147483673" r:id="rId1"/>
+    <p:sldLayoutId id="2147483674" r:id="rId2"/>
+    <p:sldLayoutId id="2147483675" r:id="rId3"/>
+    <p:sldLayoutId id="2147483676" r:id="rId4"/>
+    <p:sldLayoutId id="2147483677" r:id="rId5"/>
+    <p:sldLayoutId id="2147483678" r:id="rId6"/>
+    <p:sldLayoutId id="2147483679" r:id="rId7"/>
+    <p:sldLayoutId id="2147483680" r:id="rId8"/>
+    <p:sldLayoutId id="2147483681" r:id="rId9"/>
+    <p:sldLayoutId id="2147483682" r:id="rId10"/>
+    <p:sldLayoutId id="2147483683" r:id="rId11"/>
   </p:sldLayoutIdLst>
   <p:txStyles>
     <p:titleStyle>
-      <a:lvl1pPr algn="l" defTabSz="91440" rtl="0" eaLnBrk="1" latinLnBrk="0" hangingPunct="1">
+      <a:lvl1pPr algn="l" defTabSz="137160" rtl="0" eaLnBrk="1" latinLnBrk="0" hangingPunct="1">
         <a:lnSpc>
           <a:spcPct val="90000"/>
         </a:lnSpc>
@@ -3981,7 +3981,7 @@
           <a:spcPct val="0"/>
         </a:spcBef>
         <a:buNone/>
-        <a:defRPr sz="440" kern="1200">
+        <a:defRPr sz="660" kern="1200">
           <a:solidFill>
             <a:schemeClr val="tx1"/>
           </a:solidFill>
@@ -3992,16 +3992,16 @@
       </a:lvl1pPr>
     </p:titleStyle>
     <p:bodyStyle>
-      <a:lvl1pPr marL="22860" indent="-22860" algn="l" defTabSz="91440" rtl="0" eaLnBrk="1" latinLnBrk="0" hangingPunct="1">
+      <a:lvl1pPr marL="34290" indent="-34290" algn="l" defTabSz="137160" rtl="0" eaLnBrk="1" latinLnBrk="0" hangingPunct="1">
         <a:lnSpc>
           <a:spcPct val="90000"/>
         </a:lnSpc>
         <a:spcBef>
-          <a:spcPts val="100"/>
+          <a:spcPts val="150"/>
         </a:spcBef>
         <a:buFont typeface="Arial" panose="020B0604020202020204" pitchFamily="34" charset="0"/>
         <a:buChar char="•"/>
-        <a:defRPr sz="280" kern="1200">
+        <a:defRPr sz="420" kern="1200">
           <a:solidFill>
             <a:schemeClr val="tx1"/>
           </a:solidFill>
@@ -4010,16 +4010,16 @@
           <a:cs typeface="+mn-cs"/>
         </a:defRPr>
       </a:lvl1pPr>
-      <a:lvl2pPr marL="68580" indent="-22860" algn="l" defTabSz="91440" rtl="0" eaLnBrk="1" latinLnBrk="0" hangingPunct="1">
+      <a:lvl2pPr marL="102870" indent="-34290" algn="l" defTabSz="137160" rtl="0" eaLnBrk="1" latinLnBrk="0" hangingPunct="1">
         <a:lnSpc>
           <a:spcPct val="90000"/>
         </a:lnSpc>
         <a:spcBef>
-          <a:spcPts val="50"/>
+          <a:spcPts val="75"/>
         </a:spcBef>
         <a:buFont typeface="Arial" panose="020B0604020202020204" pitchFamily="34" charset="0"/>
         <a:buChar char="•"/>
-        <a:defRPr sz="240" kern="1200">
+        <a:defRPr sz="360" kern="1200">
           <a:solidFill>
             <a:schemeClr val="tx1"/>
           </a:solidFill>
@@ -4028,16 +4028,16 @@
           <a:cs typeface="+mn-cs"/>
         </a:defRPr>
       </a:lvl2pPr>
-      <a:lvl3pPr marL="114300" indent="-22860" algn="l" defTabSz="91440" rtl="0" eaLnBrk="1" latinLnBrk="0" hangingPunct="1">
+      <a:lvl3pPr marL="171450" indent="-34290" algn="l" defTabSz="137160" rtl="0" eaLnBrk="1" latinLnBrk="0" hangingPunct="1">
         <a:lnSpc>
           <a:spcPct val="90000"/>
         </a:lnSpc>
         <a:spcBef>
-          <a:spcPts val="50"/>
+          <a:spcPts val="75"/>
         </a:spcBef>
         <a:buFont typeface="Arial" panose="020B0604020202020204" pitchFamily="34" charset="0"/>
         <a:buChar char="•"/>
-        <a:defRPr sz="200" kern="1200">
+        <a:defRPr sz="300" kern="1200">
           <a:solidFill>
             <a:schemeClr val="tx1"/>
           </a:solidFill>
@@ -4046,16 +4046,16 @@
           <a:cs typeface="+mn-cs"/>
         </a:defRPr>
       </a:lvl3pPr>
-      <a:lvl4pPr marL="160020" indent="-22860" algn="l" defTabSz="91440" rtl="0" eaLnBrk="1" latinLnBrk="0" hangingPunct="1">
+      <a:lvl4pPr marL="240030" indent="-34290" algn="l" defTabSz="137160" rtl="0" eaLnBrk="1" latinLnBrk="0" hangingPunct="1">
         <a:lnSpc>
           <a:spcPct val="90000"/>
         </a:lnSpc>
         <a:spcBef>
-          <a:spcPts val="50"/>
+          <a:spcPts val="75"/>
         </a:spcBef>
         <a:buFont typeface="Arial" panose="020B0604020202020204" pitchFamily="34" charset="0"/>
         <a:buChar char="•"/>
-        <a:defRPr sz="180" kern="1200">
+        <a:defRPr sz="270" kern="1200">
           <a:solidFill>
             <a:schemeClr val="tx1"/>
           </a:solidFill>
@@ -4064,16 +4064,16 @@
           <a:cs typeface="+mn-cs"/>
         </a:defRPr>
       </a:lvl4pPr>
-      <a:lvl5pPr marL="205740" indent="-22860" algn="l" defTabSz="91440" rtl="0" eaLnBrk="1" latinLnBrk="0" hangingPunct="1">
+      <a:lvl5pPr marL="308610" indent="-34290" algn="l" defTabSz="137160" rtl="0" eaLnBrk="1" latinLnBrk="0" hangingPunct="1">
         <a:lnSpc>
           <a:spcPct val="90000"/>
         </a:lnSpc>
         <a:spcBef>
-          <a:spcPts val="50"/>
+          <a:spcPts val="75"/>
         </a:spcBef>
         <a:buFont typeface="Arial" panose="020B0604020202020204" pitchFamily="34" charset="0"/>
         <a:buChar char="•"/>
-        <a:defRPr sz="180" kern="1200">
+        <a:defRPr sz="270" kern="1200">
           <a:solidFill>
             <a:schemeClr val="tx1"/>
           </a:solidFill>
@@ -4082,16 +4082,16 @@
           <a:cs typeface="+mn-cs"/>
         </a:defRPr>
       </a:lvl5pPr>
-      <a:lvl6pPr marL="251460" indent="-22860" algn="l" defTabSz="91440" rtl="0" eaLnBrk="1" latinLnBrk="0" hangingPunct="1">
+      <a:lvl6pPr marL="377190" indent="-34290" algn="l" defTabSz="137160" rtl="0" eaLnBrk="1" latinLnBrk="0" hangingPunct="1">
         <a:lnSpc>
           <a:spcPct val="90000"/>
         </a:lnSpc>
         <a:spcBef>
-          <a:spcPts val="50"/>
+          <a:spcPts val="75"/>
         </a:spcBef>
         <a:buFont typeface="Arial" panose="020B0604020202020204" pitchFamily="34" charset="0"/>
         <a:buChar char="•"/>
-        <a:defRPr sz="180" kern="1200">
+        <a:defRPr sz="270" kern="1200">
           <a:solidFill>
             <a:schemeClr val="tx1"/>
           </a:solidFill>
@@ -4100,16 +4100,16 @@
           <a:cs typeface="+mn-cs"/>
         </a:defRPr>
       </a:lvl6pPr>
-      <a:lvl7pPr marL="297180" indent="-22860" algn="l" defTabSz="91440" rtl="0" eaLnBrk="1" latinLnBrk="0" hangingPunct="1">
+      <a:lvl7pPr marL="445770" indent="-34290" algn="l" defTabSz="137160" rtl="0" eaLnBrk="1" latinLnBrk="0" hangingPunct="1">
         <a:lnSpc>
           <a:spcPct val="90000"/>
         </a:lnSpc>
         <a:spcBef>
-          <a:spcPts val="50"/>
+          <a:spcPts val="75"/>
         </a:spcBef>
         <a:buFont typeface="Arial" panose="020B0604020202020204" pitchFamily="34" charset="0"/>
         <a:buChar char="•"/>
-        <a:defRPr sz="180" kern="1200">
+        <a:defRPr sz="270" kern="1200">
           <a:solidFill>
             <a:schemeClr val="tx1"/>
           </a:solidFill>
@@ -4118,16 +4118,16 @@
           <a:cs typeface="+mn-cs"/>
         </a:defRPr>
       </a:lvl7pPr>
-      <a:lvl8pPr marL="342900" indent="-22860" algn="l" defTabSz="91440" rtl="0" eaLnBrk="1" latinLnBrk="0" hangingPunct="1">
+      <a:lvl8pPr marL="514350" indent="-34290" algn="l" defTabSz="137160" rtl="0" eaLnBrk="1" latinLnBrk="0" hangingPunct="1">
         <a:lnSpc>
           <a:spcPct val="90000"/>
         </a:lnSpc>
         <a:spcBef>
-          <a:spcPts val="50"/>
+          <a:spcPts val="75"/>
         </a:spcBef>
         <a:buFont typeface="Arial" panose="020B0604020202020204" pitchFamily="34" charset="0"/>
         <a:buChar char="•"/>
-        <a:defRPr sz="180" kern="1200">
+        <a:defRPr sz="270" kern="1200">
           <a:solidFill>
             <a:schemeClr val="tx1"/>
           </a:solidFill>
@@ -4136,16 +4136,16 @@
           <a:cs typeface="+mn-cs"/>
         </a:defRPr>
       </a:lvl8pPr>
-      <a:lvl9pPr marL="388620" indent="-22860" algn="l" defTabSz="91440" rtl="0" eaLnBrk="1" latinLnBrk="0" hangingPunct="1">
+      <a:lvl9pPr marL="582930" indent="-34290" algn="l" defTabSz="137160" rtl="0" eaLnBrk="1" latinLnBrk="0" hangingPunct="1">
         <a:lnSpc>
           <a:spcPct val="90000"/>
         </a:lnSpc>
         <a:spcBef>
-          <a:spcPts val="50"/>
+          <a:spcPts val="75"/>
         </a:spcBef>
         <a:buFont typeface="Arial" panose="020B0604020202020204" pitchFamily="34" charset="0"/>
         <a:buChar char="•"/>
-        <a:defRPr sz="180" kern="1200">
+        <a:defRPr sz="270" kern="1200">
           <a:solidFill>
             <a:schemeClr val="tx1"/>
           </a:solidFill>
@@ -4159,8 +4159,8 @@
       <a:defPPr>
         <a:defRPr lang="en-US"/>
       </a:defPPr>
-      <a:lvl1pPr marL="0" algn="l" defTabSz="91440" rtl="0" eaLnBrk="1" latinLnBrk="0" hangingPunct="1">
-        <a:defRPr sz="180" kern="1200">
+      <a:lvl1pPr marL="0" algn="l" defTabSz="137160" rtl="0" eaLnBrk="1" latinLnBrk="0" hangingPunct="1">
+        <a:defRPr sz="270" kern="1200">
           <a:solidFill>
             <a:schemeClr val="tx1"/>
           </a:solidFill>
@@ -4169,8 +4169,8 @@
           <a:cs typeface="+mn-cs"/>
         </a:defRPr>
       </a:lvl1pPr>
-      <a:lvl2pPr marL="45720" algn="l" defTabSz="91440" rtl="0" eaLnBrk="1" latinLnBrk="0" hangingPunct="1">
-        <a:defRPr sz="180" kern="1200">
+      <a:lvl2pPr marL="68580" algn="l" defTabSz="137160" rtl="0" eaLnBrk="1" latinLnBrk="0" hangingPunct="1">
+        <a:defRPr sz="270" kern="1200">
           <a:solidFill>
             <a:schemeClr val="tx1"/>
           </a:solidFill>
@@ -4179,8 +4179,8 @@
           <a:cs typeface="+mn-cs"/>
         </a:defRPr>
       </a:lvl2pPr>
-      <a:lvl3pPr marL="91440" algn="l" defTabSz="91440" rtl="0" eaLnBrk="1" latinLnBrk="0" hangingPunct="1">
-        <a:defRPr sz="180" kern="1200">
+      <a:lvl3pPr marL="137160" algn="l" defTabSz="137160" rtl="0" eaLnBrk="1" latinLnBrk="0" hangingPunct="1">
+        <a:defRPr sz="270" kern="1200">
           <a:solidFill>
             <a:schemeClr val="tx1"/>
           </a:solidFill>
@@ -4189,8 +4189,8 @@
           <a:cs typeface="+mn-cs"/>
         </a:defRPr>
       </a:lvl3pPr>
-      <a:lvl4pPr marL="137160" algn="l" defTabSz="91440" rtl="0" eaLnBrk="1" latinLnBrk="0" hangingPunct="1">
-        <a:defRPr sz="180" kern="1200">
+      <a:lvl4pPr marL="205740" algn="l" defTabSz="137160" rtl="0" eaLnBrk="1" latinLnBrk="0" hangingPunct="1">
+        <a:defRPr sz="270" kern="1200">
           <a:solidFill>
             <a:schemeClr val="tx1"/>
           </a:solidFill>
@@ -4199,8 +4199,8 @@
           <a:cs typeface="+mn-cs"/>
         </a:defRPr>
       </a:lvl4pPr>
-      <a:lvl5pPr marL="182880" algn="l" defTabSz="91440" rtl="0" eaLnBrk="1" latinLnBrk="0" hangingPunct="1">
-        <a:defRPr sz="180" kern="1200">
+      <a:lvl5pPr marL="274320" algn="l" defTabSz="137160" rtl="0" eaLnBrk="1" latinLnBrk="0" hangingPunct="1">
+        <a:defRPr sz="270" kern="1200">
           <a:solidFill>
             <a:schemeClr val="tx1"/>
           </a:solidFill>
@@ -4209,8 +4209,8 @@
           <a:cs typeface="+mn-cs"/>
         </a:defRPr>
       </a:lvl5pPr>
-      <a:lvl6pPr marL="228600" algn="l" defTabSz="91440" rtl="0" eaLnBrk="1" latinLnBrk="0" hangingPunct="1">
-        <a:defRPr sz="180" kern="1200">
+      <a:lvl6pPr marL="342900" algn="l" defTabSz="137160" rtl="0" eaLnBrk="1" latinLnBrk="0" hangingPunct="1">
+        <a:defRPr sz="270" kern="1200">
           <a:solidFill>
             <a:schemeClr val="tx1"/>
           </a:solidFill>
@@ -4219,8 +4219,8 @@
           <a:cs typeface="+mn-cs"/>
         </a:defRPr>
       </a:lvl6pPr>
-      <a:lvl7pPr marL="274320" algn="l" defTabSz="91440" rtl="0" eaLnBrk="1" latinLnBrk="0" hangingPunct="1">
-        <a:defRPr sz="180" kern="1200">
+      <a:lvl7pPr marL="411480" algn="l" defTabSz="137160" rtl="0" eaLnBrk="1" latinLnBrk="0" hangingPunct="1">
+        <a:defRPr sz="270" kern="1200">
           <a:solidFill>
             <a:schemeClr val="tx1"/>
           </a:solidFill>
@@ -4229,8 +4229,8 @@
           <a:cs typeface="+mn-cs"/>
         </a:defRPr>
       </a:lvl7pPr>
-      <a:lvl8pPr marL="320040" algn="l" defTabSz="91440" rtl="0" eaLnBrk="1" latinLnBrk="0" hangingPunct="1">
-        <a:defRPr sz="180" kern="1200">
+      <a:lvl8pPr marL="480060" algn="l" defTabSz="137160" rtl="0" eaLnBrk="1" latinLnBrk="0" hangingPunct="1">
+        <a:defRPr sz="270" kern="1200">
           <a:solidFill>
             <a:schemeClr val="tx1"/>
           </a:solidFill>
@@ -4239,8 +4239,8 @@
           <a:cs typeface="+mn-cs"/>
         </a:defRPr>
       </a:lvl8pPr>
-      <a:lvl9pPr marL="365760" algn="l" defTabSz="91440" rtl="0" eaLnBrk="1" latinLnBrk="0" hangingPunct="1">
-        <a:defRPr sz="180" kern="1200">
+      <a:lvl9pPr marL="548640" algn="l" defTabSz="137160" rtl="0" eaLnBrk="1" latinLnBrk="0" hangingPunct="1">
+        <a:defRPr sz="270" kern="1200">
           <a:solidFill>
             <a:schemeClr val="tx1"/>
           </a:solidFill>
@@ -4300,7 +4300,7 @@
         <p:spPr>
           <a:xfrm>
             <a:off x="0" y="0"/>
-            <a:ext cx="914400" cy="914400"/>
+            <a:ext cx="1371600" cy="1371600"/>
           </a:xfrm>
           <a:prstGeom prst="rect">
             <a:avLst/>
@@ -4366,7 +4366,7 @@
         <p:spPr>
           <a:xfrm>
             <a:off x="0" y="0"/>
-            <a:ext cx="914400" cy="914400"/>
+            <a:ext cx="1371600" cy="1371600"/>
           </a:xfrm>
           <a:prstGeom prst="rect">
             <a:avLst/>
@@ -4405,10 +4405,10 @@
       </p:grpSpPr>
       <p:pic>
         <p:nvPicPr>
-          <p:cNvPr id="3" name="图片 2">
+          <p:cNvPr id="6" name="图片 5">
             <a:extLst>
               <a:ext uri="{FF2B5EF4-FFF2-40B4-BE49-F238E27FC236}">
-                <a16:creationId xmlns:a16="http://schemas.microsoft.com/office/drawing/2014/main" id="{A352ED00-9904-980F-4682-3D231379BC48}"/>
+                <a16:creationId xmlns:a16="http://schemas.microsoft.com/office/drawing/2014/main" id="{EFB7CF4A-EB28-F230-91E0-412E8024B334}"/>
               </a:ext>
             </a:extLst>
           </p:cNvPr>
@@ -4417,7 +4417,7 @@
           </p:cNvPicPr>
           <p:nvPr/>
         </p:nvPicPr>
-        <p:blipFill>
+        <p:blipFill rotWithShape="1">
           <a:blip r:embed="rId3">
             <a:extLst>
               <a:ext uri="{28A0092B-C50C-407E-A947-70E740481C1C}">
@@ -4425,13 +4425,13 @@
               </a:ext>
             </a:extLst>
           </a:blip>
-          <a:srcRect/>
+          <a:srcRect l="-8079" t="-8079" r="-8079" b="-8079"/>
           <a:stretch/>
         </p:blipFill>
         <p:spPr>
           <a:xfrm>
             <a:off x="0" y="0"/>
-            <a:ext cx="914400" cy="914400"/>
+            <a:ext cx="1371600" cy="1371600"/>
           </a:xfrm>
           <a:prstGeom prst="rect">
             <a:avLst/>
@@ -4497,7 +4497,7 @@
         <p:spPr>
           <a:xfrm>
             <a:off x="0" y="0"/>
-            <a:ext cx="914400" cy="914400"/>
+            <a:ext cx="1371600" cy="1371600"/>
           </a:xfrm>
           <a:prstGeom prst="rect">
             <a:avLst/>
@@ -4563,7 +4563,7 @@
         <p:spPr>
           <a:xfrm>
             <a:off x="0" y="0"/>
-            <a:ext cx="914400" cy="914400"/>
+            <a:ext cx="1371600" cy="1371600"/>
           </a:xfrm>
           <a:prstGeom prst="rect">
             <a:avLst/>
@@ -4629,7 +4629,7 @@
         <p:spPr>
           <a:xfrm>
             <a:off x="0" y="0"/>
-            <a:ext cx="914400" cy="914400"/>
+            <a:ext cx="1371600" cy="1371600"/>
           </a:xfrm>
           <a:prstGeom prst="rect">
             <a:avLst/>
@@ -4695,7 +4695,7 @@
         <p:spPr>
           <a:xfrm>
             <a:off x="0" y="0"/>
-            <a:ext cx="914400" cy="914400"/>
+            <a:ext cx="1371600" cy="1371600"/>
           </a:xfrm>
           <a:prstGeom prst="rect">
             <a:avLst/>
@@ -4761,7 +4761,7 @@
         <p:spPr>
           <a:xfrm>
             <a:off x="0" y="0"/>
-            <a:ext cx="914400" cy="914400"/>
+            <a:ext cx="1371600" cy="1371600"/>
           </a:xfrm>
           <a:prstGeom prst="rect">
             <a:avLst/>
@@ -4826,7 +4826,7 @@
         <p:spPr>
           <a:xfrm>
             <a:off x="0" y="0"/>
-            <a:ext cx="914400" cy="914400"/>
+            <a:ext cx="1371600" cy="1371600"/>
           </a:xfrm>
           <a:prstGeom prst="rect">
             <a:avLst/>
@@ -4891,7 +4891,7 @@
         <p:spPr>
           <a:xfrm>
             <a:off x="0" y="0"/>
-            <a:ext cx="914400" cy="914400"/>
+            <a:ext cx="1371600" cy="1371600"/>
           </a:xfrm>
           <a:prstGeom prst="rect">
             <a:avLst/>
